--- a/low-level/ccf.pptx
+++ b/low-level/ccf.pptx
@@ -5,8 +5,8 @@
     <p:sldMasterId id="2147483648" r:id="rId1"/>
   </p:sldMasterIdLst>
   <p:sldIdLst>
-    <p:sldId id="257" r:id="rId2"/>
-    <p:sldId id="258" r:id="rId3"/>
+    <p:sldId id="258" r:id="rId2"/>
+    <p:sldId id="257" r:id="rId3"/>
   </p:sldIdLst>
   <p:sldSz cx="12192000" cy="6858000"/>
   <p:notesSz cx="6858000" cy="9144000"/>
@@ -260,7 +260,7 @@
           <a:p>
             <a:fld id="{561D2351-D473-4CF0-B7DB-423277AB431F}" type="datetimeFigureOut">
               <a:rPr lang="zh-CN" altLang="en-US" smtClean="0"/>
-              <a:t>2020/11/14</a:t>
+              <a:t>2020/11/26</a:t>
             </a:fld>
             <a:endParaRPr lang="zh-CN" altLang="en-US"/>
           </a:p>
@@ -458,7 +458,7 @@
           <a:p>
             <a:fld id="{561D2351-D473-4CF0-B7DB-423277AB431F}" type="datetimeFigureOut">
               <a:rPr lang="zh-CN" altLang="en-US" smtClean="0"/>
-              <a:t>2020/11/14</a:t>
+              <a:t>2020/11/26</a:t>
             </a:fld>
             <a:endParaRPr lang="zh-CN" altLang="en-US"/>
           </a:p>
@@ -666,7 +666,7 @@
           <a:p>
             <a:fld id="{561D2351-D473-4CF0-B7DB-423277AB431F}" type="datetimeFigureOut">
               <a:rPr lang="zh-CN" altLang="en-US" smtClean="0"/>
-              <a:t>2020/11/14</a:t>
+              <a:t>2020/11/26</a:t>
             </a:fld>
             <a:endParaRPr lang="zh-CN" altLang="en-US"/>
           </a:p>
@@ -864,7 +864,7 @@
           <a:p>
             <a:fld id="{561D2351-D473-4CF0-B7DB-423277AB431F}" type="datetimeFigureOut">
               <a:rPr lang="zh-CN" altLang="en-US" smtClean="0"/>
-              <a:t>2020/11/14</a:t>
+              <a:t>2020/11/26</a:t>
             </a:fld>
             <a:endParaRPr lang="zh-CN" altLang="en-US"/>
           </a:p>
@@ -1139,7 +1139,7 @@
           <a:p>
             <a:fld id="{561D2351-D473-4CF0-B7DB-423277AB431F}" type="datetimeFigureOut">
               <a:rPr lang="zh-CN" altLang="en-US" smtClean="0"/>
-              <a:t>2020/11/14</a:t>
+              <a:t>2020/11/26</a:t>
             </a:fld>
             <a:endParaRPr lang="zh-CN" altLang="en-US"/>
           </a:p>
@@ -1404,7 +1404,7 @@
           <a:p>
             <a:fld id="{561D2351-D473-4CF0-B7DB-423277AB431F}" type="datetimeFigureOut">
               <a:rPr lang="zh-CN" altLang="en-US" smtClean="0"/>
-              <a:t>2020/11/14</a:t>
+              <a:t>2020/11/26</a:t>
             </a:fld>
             <a:endParaRPr lang="zh-CN" altLang="en-US"/>
           </a:p>
@@ -1816,7 +1816,7 @@
           <a:p>
             <a:fld id="{561D2351-D473-4CF0-B7DB-423277AB431F}" type="datetimeFigureOut">
               <a:rPr lang="zh-CN" altLang="en-US" smtClean="0"/>
-              <a:t>2020/11/14</a:t>
+              <a:t>2020/11/26</a:t>
             </a:fld>
             <a:endParaRPr lang="zh-CN" altLang="en-US"/>
           </a:p>
@@ -1957,7 +1957,7 @@
           <a:p>
             <a:fld id="{561D2351-D473-4CF0-B7DB-423277AB431F}" type="datetimeFigureOut">
               <a:rPr lang="zh-CN" altLang="en-US" smtClean="0"/>
-              <a:t>2020/11/14</a:t>
+              <a:t>2020/11/26</a:t>
             </a:fld>
             <a:endParaRPr lang="zh-CN" altLang="en-US"/>
           </a:p>
@@ -2070,7 +2070,7 @@
           <a:p>
             <a:fld id="{561D2351-D473-4CF0-B7DB-423277AB431F}" type="datetimeFigureOut">
               <a:rPr lang="zh-CN" altLang="en-US" smtClean="0"/>
-              <a:t>2020/11/14</a:t>
+              <a:t>2020/11/26</a:t>
             </a:fld>
             <a:endParaRPr lang="zh-CN" altLang="en-US"/>
           </a:p>
@@ -2381,7 +2381,7 @@
           <a:p>
             <a:fld id="{561D2351-D473-4CF0-B7DB-423277AB431F}" type="datetimeFigureOut">
               <a:rPr lang="zh-CN" altLang="en-US" smtClean="0"/>
-              <a:t>2020/11/14</a:t>
+              <a:t>2020/11/26</a:t>
             </a:fld>
             <a:endParaRPr lang="zh-CN" altLang="en-US"/>
           </a:p>
@@ -2669,7 +2669,7 @@
           <a:p>
             <a:fld id="{561D2351-D473-4CF0-B7DB-423277AB431F}" type="datetimeFigureOut">
               <a:rPr lang="zh-CN" altLang="en-US" smtClean="0"/>
-              <a:t>2020/11/14</a:t>
+              <a:t>2020/11/26</a:t>
             </a:fld>
             <a:endParaRPr lang="zh-CN" altLang="en-US"/>
           </a:p>
@@ -2910,7 +2910,7 @@
           <a:p>
             <a:fld id="{561D2351-D473-4CF0-B7DB-423277AB431F}" type="datetimeFigureOut">
               <a:rPr lang="zh-CN" altLang="en-US" smtClean="0"/>
-              <a:t>2020/11/14</a:t>
+              <a:t>2020/11/26</a:t>
             </a:fld>
             <a:endParaRPr lang="zh-CN" altLang="en-US"/>
           </a:p>
@@ -3327,6 +3327,36 @@
           <a:chExt cx="0" cy="0"/>
         </a:xfrm>
       </p:grpSpPr>
+    </p:spTree>
+    <p:extLst>
+      <p:ext uri="{BB962C8B-B14F-4D97-AF65-F5344CB8AC3E}">
+        <p14:creationId xmlns:p14="http://schemas.microsoft.com/office/powerpoint/2010/main" val="1622875542"/>
+      </p:ext>
+    </p:extLst>
+  </p:cSld>
+  <p:clrMapOvr>
+    <a:masterClrMapping/>
+  </p:clrMapOvr>
+</p:sld>
+</file>
+
+<file path=ppt/slides/slide2.xml><?xml version="1.0" encoding="utf-8"?>
+<p:sld xmlns:a="http://schemas.openxmlformats.org/drawingml/2006/main" xmlns:r="http://schemas.openxmlformats.org/officeDocument/2006/relationships" xmlns:p="http://schemas.openxmlformats.org/presentationml/2006/main">
+  <p:cSld>
+    <p:spTree>
+      <p:nvGrpSpPr>
+        <p:cNvPr id="1" name=""/>
+        <p:cNvGrpSpPr/>
+        <p:nvPr/>
+      </p:nvGrpSpPr>
+      <p:grpSpPr>
+        <a:xfrm>
+          <a:off x="0" y="0"/>
+          <a:ext cx="0" cy="0"/>
+          <a:chOff x="0" y="0"/>
+          <a:chExt cx="0" cy="0"/>
+        </a:xfrm>
+      </p:grpSpPr>
       <p:sp>
         <p:nvSpPr>
           <p:cNvPr id="4" name="矩形 3">
@@ -3840,36 +3870,6 @@
     <p:extLst>
       <p:ext uri="{BB962C8B-B14F-4D97-AF65-F5344CB8AC3E}">
         <p14:creationId xmlns:p14="http://schemas.microsoft.com/office/powerpoint/2010/main" val="2954135234"/>
-      </p:ext>
-    </p:extLst>
-  </p:cSld>
-  <p:clrMapOvr>
-    <a:masterClrMapping/>
-  </p:clrMapOvr>
-</p:sld>
-</file>
-
-<file path=ppt/slides/slide2.xml><?xml version="1.0" encoding="utf-8"?>
-<p:sld xmlns:a="http://schemas.openxmlformats.org/drawingml/2006/main" xmlns:r="http://schemas.openxmlformats.org/officeDocument/2006/relationships" xmlns:p="http://schemas.openxmlformats.org/presentationml/2006/main">
-  <p:cSld>
-    <p:spTree>
-      <p:nvGrpSpPr>
-        <p:cNvPr id="1" name=""/>
-        <p:cNvGrpSpPr/>
-        <p:nvPr/>
-      </p:nvGrpSpPr>
-      <p:grpSpPr>
-        <a:xfrm>
-          <a:off x="0" y="0"/>
-          <a:ext cx="0" cy="0"/>
-          <a:chOff x="0" y="0"/>
-          <a:chExt cx="0" cy="0"/>
-        </a:xfrm>
-      </p:grpSpPr>
-    </p:spTree>
-    <p:extLst>
-      <p:ext uri="{BB962C8B-B14F-4D97-AF65-F5344CB8AC3E}">
-        <p14:creationId xmlns:p14="http://schemas.microsoft.com/office/powerpoint/2010/main" val="1622875542"/>
       </p:ext>
     </p:extLst>
   </p:cSld>
